--- a/PPT/UML翻转课堂PPT/PRD-2016-G13-UML基础Ⅱ-界面原型-1.0.pptx
+++ b/PPT/UML翻转课堂PPT/PRD-2016-G13-UML基础Ⅱ-界面原型-1.0.pptx
@@ -5,10 +5,10 @@
     <p:sldMasterId id="2147483660" r:id="rId2"/>
   </p:sldMasterIdLst>
   <p:notesMasterIdLst>
-    <p:notesMasterId r:id="rId13"/>
+    <p:notesMasterId r:id="rId14"/>
   </p:notesMasterIdLst>
   <p:handoutMasterIdLst>
-    <p:handoutMasterId r:id="rId14"/>
+    <p:handoutMasterId r:id="rId15"/>
   </p:handoutMasterIdLst>
   <p:sldIdLst>
     <p:sldId id="257" r:id="rId3"/>
@@ -20,7 +20,8 @@
     <p:sldId id="275" r:id="rId9"/>
     <p:sldId id="277" r:id="rId10"/>
     <p:sldId id="276" r:id="rId11"/>
-    <p:sldId id="263" r:id="rId12"/>
+    <p:sldId id="278" r:id="rId12"/>
+    <p:sldId id="263" r:id="rId13"/>
   </p:sldIdLst>
   <p:sldSz cx="12188825" cy="6858000"/>
   <p:notesSz cx="6858000" cy="9144000"/>
@@ -259,7 +260,7 @@
           <a:p>
             <a:fld id="{FE5B4EDC-59C0-49C7-8ADA-5A781B329E02}" type="datetimeFigureOut">
               <a:rPr lang="en-US" altLang="zh-CN"/>
-              <a:t>11/6/2016</a:t>
+              <a:t>11/8/2016</a:t>
             </a:fld>
             <a:endParaRPr lang="zh-CN"/>
           </a:p>
@@ -423,7 +424,7 @@
           </a:lstStyle>
           <a:p>
             <a:fld id="{F2D8D46A-B586-417D-BFBD-8C8FE0AAF762}" type="datetimeFigureOut">
-              <a:t>2016/11/6</a:t>
+              <a:t>2016/11/8</a:t>
             </a:fld>
             <a:endParaRPr lang="zh-CN"/>
           </a:p>
@@ -1444,7 +1445,7 @@
           <a:lstStyle/>
           <a:p>
             <a:fld id="{F0DFD029-FB74-4578-B929-F66AA97659CA}" type="datetimeFigureOut">
-              <a:t>2016/11/6</a:t>
+              <a:t>2016/11/8</a:t>
             </a:fld>
             <a:endParaRPr lang="zh-CN"/>
           </a:p>
@@ -1640,7 +1641,7 @@
           <a:lstStyle/>
           <a:p>
             <a:fld id="{F0DFD029-FB74-4578-B929-F66AA97659CA}" type="datetimeFigureOut">
-              <a:t>2016/11/6</a:t>
+              <a:t>2016/11/8</a:t>
             </a:fld>
             <a:endParaRPr lang="zh-CN"/>
           </a:p>
@@ -1846,7 +1847,7 @@
           <a:lstStyle/>
           <a:p>
             <a:fld id="{F0DFD029-FB74-4578-B929-F66AA97659CA}" type="datetimeFigureOut">
-              <a:t>2016/11/6</a:t>
+              <a:t>2016/11/8</a:t>
             </a:fld>
             <a:endParaRPr lang="zh-CN"/>
           </a:p>
@@ -2042,7 +2043,7 @@
           <a:lstStyle/>
           <a:p>
             <a:fld id="{F0DFD029-FB74-4578-B929-F66AA97659CA}" type="datetimeFigureOut">
-              <a:t>2016/11/6</a:t>
+              <a:t>2016/11/8</a:t>
             </a:fld>
             <a:endParaRPr lang="zh-CN"/>
           </a:p>
@@ -2303,7 +2304,7 @@
           <a:lstStyle/>
           <a:p>
             <a:fld id="{F0DFD029-FB74-4578-B929-F66AA97659CA}" type="datetimeFigureOut">
-              <a:t>2016/11/6</a:t>
+              <a:t>2016/11/8</a:t>
             </a:fld>
             <a:endParaRPr lang="zh-CN"/>
           </a:p>
@@ -2779,7 +2780,7 @@
           <a:lstStyle/>
           <a:p>
             <a:fld id="{F0DFD029-FB74-4578-B929-F66AA97659CA}" type="datetimeFigureOut">
-              <a:t>2016/11/6</a:t>
+              <a:t>2016/11/8</a:t>
             </a:fld>
             <a:endParaRPr lang="zh-CN"/>
           </a:p>
@@ -3238,7 +3239,7 @@
           <a:lstStyle/>
           <a:p>
             <a:fld id="{F0DFD029-FB74-4578-B929-F66AA97659CA}" type="datetimeFigureOut">
-              <a:t>2016/11/6</a:t>
+              <a:t>2016/11/8</a:t>
             </a:fld>
             <a:endParaRPr lang="zh-CN"/>
           </a:p>
@@ -3366,7 +3367,7 @@
           <a:lstStyle/>
           <a:p>
             <a:fld id="{F0DFD029-FB74-4578-B929-F66AA97659CA}" type="datetimeFigureOut">
-              <a:t>2016/11/6</a:t>
+              <a:t>2016/11/8</a:t>
             </a:fld>
             <a:endParaRPr lang="zh-CN"/>
           </a:p>
@@ -3471,7 +3472,7 @@
           <a:lstStyle/>
           <a:p>
             <a:fld id="{F0DFD029-FB74-4578-B929-F66AA97659CA}" type="datetimeFigureOut">
-              <a:t>2016/11/6</a:t>
+              <a:t>2016/11/8</a:t>
             </a:fld>
             <a:endParaRPr lang="zh-CN"/>
           </a:p>
@@ -3768,7 +3769,7 @@
           <a:lstStyle/>
           <a:p>
             <a:fld id="{F0DFD029-FB74-4578-B929-F66AA97659CA}" type="datetimeFigureOut">
-              <a:t>2016/11/6</a:t>
+              <a:t>2016/11/8</a:t>
             </a:fld>
             <a:endParaRPr lang="zh-CN"/>
           </a:p>
@@ -4054,7 +4055,7 @@
           <a:lstStyle/>
           <a:p>
             <a:fld id="{F0DFD029-FB74-4578-B929-F66AA97659CA}" type="datetimeFigureOut">
-              <a:t>2016/11/6</a:t>
+              <a:t>2016/11/8</a:t>
             </a:fld>
             <a:endParaRPr lang="zh-CN"/>
           </a:p>
@@ -4685,7 +4686,7 @@
             <a:fld id="{F0DFD029-FB74-4578-B929-F66AA97659CA}" type="datetimeFigureOut">
               <a:rPr lang="en-US" altLang="zh-CN" smtClean="0"/>
               <a:pPr/>
-              <a:t>11/6/2016</a:t>
+              <a:t>11/8/2016</a:t>
             </a:fld>
             <a:endParaRPr lang="zh-CN" altLang="en-US"/>
           </a:p>
@@ -5271,13 +5272,115 @@
       </p:grpSpPr>
       <p:sp>
         <p:nvSpPr>
+          <p:cNvPr id="5" name="文本占位符 4"/>
+          <p:cNvSpPr>
+            <a:spLocks noGrp="1"/>
+          </p:cNvSpPr>
+          <p:nvPr>
+            <p:ph type="body" idx="1"/>
+          </p:nvPr>
+        </p:nvSpPr>
+        <p:spPr>
+          <a:xfrm>
+            <a:off x="1485900" y="484674"/>
+            <a:ext cx="7069519" cy="1220933"/>
+          </a:xfrm>
+        </p:spPr>
+        <p:txBody>
+          <a:bodyPr/>
+          <a:lstStyle/>
+          <a:p>
+            <a:r>
+              <a:rPr lang="en-US" altLang="zh-CN" b="1" dirty="0" err="1"/>
+              <a:t>Axure</a:t>
+            </a:r>
+            <a:r>
+              <a:rPr lang="en-US" altLang="zh-CN" b="1" dirty="0"/>
+              <a:t> RP</a:t>
+            </a:r>
+            <a:r>
+              <a:rPr lang="zh-CN" altLang="en-US" b="1" dirty="0"/>
+              <a:t> 实例</a:t>
+            </a:r>
+            <a:endParaRPr lang="en-US" altLang="zh-CN" b="1" dirty="0"/>
+          </a:p>
+        </p:txBody>
+      </p:sp>
+      <p:pic>
+        <p:nvPicPr>
+          <p:cNvPr id="6" name="图片 5"/>
+          <p:cNvPicPr>
+            <a:picLocks noChangeAspect="1"/>
+          </p:cNvPicPr>
+          <p:nvPr/>
+        </p:nvPicPr>
+        <p:blipFill>
+          <a:blip r:embed="rId2"/>
+          <a:stretch>
+            <a:fillRect/>
+          </a:stretch>
+        </p:blipFill>
+        <p:spPr>
+          <a:xfrm>
+            <a:off x="1989956" y="1412776"/>
+            <a:ext cx="7651548" cy="4144588"/>
+          </a:xfrm>
+          <a:prstGeom prst="rect">
+            <a:avLst/>
+          </a:prstGeom>
+        </p:spPr>
+      </p:pic>
+    </p:spTree>
+    <p:extLst>
+      <p:ext uri="{BB962C8B-B14F-4D97-AF65-F5344CB8AC3E}">
+        <p14:creationId xmlns:p14="http://schemas.microsoft.com/office/powerpoint/2010/main" val="4294360455"/>
+      </p:ext>
+    </p:extLst>
+  </p:cSld>
+  <p:clrMapOvr>
+    <a:masterClrMapping/>
+  </p:clrMapOvr>
+  <mc:AlternateContent xmlns:mc="http://schemas.openxmlformats.org/markup-compatibility/2006" xmlns:p14="http://schemas.microsoft.com/office/powerpoint/2010/main">
+    <mc:Choice Requires="p14">
+      <p:transition spd="med" p14:dur="700">
+        <p:fade/>
+      </p:transition>
+    </mc:Choice>
+    <mc:Fallback xmlns="">
+      <p:transition spd="med">
+        <p:fade/>
+      </p:transition>
+    </mc:Fallback>
+  </mc:AlternateContent>
+</p:sld>
+</file>
+
+<file path=ppt/slides/slide11.xml><?xml version="1.0" encoding="utf-8"?>
+<p:sld xmlns:a="http://schemas.openxmlformats.org/drawingml/2006/main" xmlns:r="http://schemas.openxmlformats.org/officeDocument/2006/relationships" xmlns:p="http://schemas.openxmlformats.org/presentationml/2006/main">
+  <p:cSld>
+    <p:spTree>
+      <p:nvGrpSpPr>
+        <p:cNvPr id="1" name=""/>
+        <p:cNvGrpSpPr/>
+        <p:nvPr/>
+      </p:nvGrpSpPr>
+      <p:grpSpPr>
+        <a:xfrm>
+          <a:off x="0" y="0"/>
+          <a:ext cx="0" cy="0"/>
+          <a:chOff x="0" y="0"/>
+          <a:chExt cx="0" cy="0"/>
+        </a:xfrm>
+      </p:grpSpPr>
+      <p:sp>
+        <p:nvSpPr>
           <p:cNvPr id="2" name="文本框 1"/>
           <p:cNvSpPr txBox="1"/>
           <p:nvPr/>
         </p:nvSpPr>
         <p:spPr>
           <a:xfrm>
-            <a:off x="4294212" y="1772816"/>
+            <a:off x="4798268" y="1769905"/>
             <a:ext cx="2236510" cy="707886"/>
           </a:xfrm>
           <a:prstGeom prst="rect">
@@ -5306,7 +5409,7 @@
         </p:nvSpPr>
         <p:spPr>
           <a:xfrm>
-            <a:off x="3358108" y="4611325"/>
+            <a:off x="3862164" y="4591927"/>
             <a:ext cx="4438229" cy="830997"/>
           </a:xfrm>
           <a:prstGeom prst="rect">
@@ -5345,7 +5448,7 @@
         </p:nvSpPr>
         <p:spPr>
           <a:xfrm>
-            <a:off x="2494012" y="3068960"/>
+            <a:off x="3142084" y="3056436"/>
             <a:ext cx="6768752" cy="954107"/>
           </a:xfrm>
           <a:prstGeom prst="rect">
@@ -5525,11 +5628,7 @@
             </a:r>
             <a:r>
               <a:rPr lang="zh-CN" altLang="en-US" dirty="0"/>
-              <a:t>、</a:t>
-            </a:r>
-            <a:r>
-              <a:rPr lang="zh-CN" altLang="en-US" dirty="0"/>
-              <a:t>界面原型工具</a:t>
+              <a:t>、界面原型工具</a:t>
             </a:r>
             <a:endParaRPr lang="en-US" altLang="zh-CN" dirty="0"/>
           </a:p>
@@ -5550,6 +5649,11 @@
               <a:rPr lang="en-US" altLang="zh-CN" dirty="0"/>
               <a:t> RP</a:t>
             </a:r>
+            <a:r>
+              <a:rPr lang="zh-CN" altLang="en-US"/>
+              <a:t>简介</a:t>
+            </a:r>
+            <a:endParaRPr lang="en-US" altLang="zh-CN" dirty="0"/>
           </a:p>
           <a:p>
             <a:r>
@@ -5776,7 +5880,6 @@
               <a:rPr lang="zh-CN" altLang="en-US" sz="1800" dirty="0"/>
               <a:t>美工来完成的。</a:t>
             </a:r>
-            <a:endParaRPr lang="zh-CN" altLang="en-US" sz="1800" dirty="0"/>
           </a:p>
         </p:txBody>
       </p:sp>
@@ -5898,11 +6001,25 @@
               <a:buChar char="Ø"/>
             </a:pPr>
             <a:r>
-              <a:rPr lang="zh-CN" altLang="en-US" sz="1800" b="1" dirty="0"/>
+              <a:rPr lang="zh-CN" altLang="en-US" sz="1800" b="1" dirty="0">
+                <a:solidFill>
+                  <a:schemeClr val="accent6">
+                    <a:lumMod val="60000"/>
+                    <a:lumOff val="40000"/>
+                  </a:schemeClr>
+                </a:solidFill>
+              </a:rPr>
               <a:t>什么时候输出</a:t>
             </a:r>
             <a:r>
-              <a:rPr lang="en-US" altLang="zh-CN" sz="1800" b="1" dirty="0"/>
+              <a:rPr lang="en-US" altLang="zh-CN" sz="1800" b="1" dirty="0">
+                <a:solidFill>
+                  <a:schemeClr val="accent6">
+                    <a:lumMod val="60000"/>
+                    <a:lumOff val="40000"/>
+                  </a:schemeClr>
+                </a:solidFill>
+              </a:rPr>
               <a:t>?</a:t>
             </a:r>
           </a:p>
@@ -5966,17 +6083,22 @@
             </a:r>
             <a:r>
               <a:rPr lang="zh-CN" altLang="en-US" sz="1800" dirty="0"/>
-              <a:t>看到需求最终的实现效果，将各自对于需求的理解和预期统一标准化，在此基础上大家来讨论需求，更有针对性，验证彼此对需求的理解是否一致，从而达到明确需求的目的</a:t>
+              <a:t>看到需求最终的实现效果，将各自对于需求的理解和预期统一标准化，在此基础上大家来讨论需求，更有针对性，验证彼此对需求的理解是否一致，从而达到明确需求的目的。</a:t>
+            </a:r>
+            <a:endParaRPr lang="en-US" altLang="zh-CN" sz="1800" dirty="0"/>
+          </a:p>
+          <a:p>
+            <a:r>
+              <a:rPr lang="zh-CN" altLang="en-US" sz="1800" dirty="0"/>
+              <a:t>         界面原型是在软件开发项目中需求分析阶段输出的，在开始画界面原型之前要做好产品规划，明确项目的需求范围，即做哪些需求</a:t>
             </a:r>
             <a:r>
               <a:rPr lang="en-US" altLang="zh-CN" sz="1800" dirty="0"/>
               <a:t>;</a:t>
             </a:r>
-          </a:p>
-          <a:p>
             <a:r>
               <a:rPr lang="zh-CN" altLang="en-US" sz="1800" dirty="0"/>
-              <a:t>         界面原型是在软件开发项目中需求分析阶段输出的，在开始画界面原型之前要做好产品规划，明确项目的需求范围，即做哪些需求</a:t>
+              <a:t>而具体每个需求点达到什么程度，怎样做达到这个程度，有什么样的规则，即有哪些功能点，业务逻辑是什么，有哪些约束条件</a:t>
             </a:r>
             <a:r>
               <a:rPr lang="en-US" altLang="zh-CN" sz="1800" dirty="0"/>
@@ -5984,20 +6106,9 @@
             </a:r>
             <a:r>
               <a:rPr lang="zh-CN" altLang="en-US" sz="1800" dirty="0"/>
-              <a:t>而具体每个需求点达到什么程度，怎样做达到这个程度，有什么样的规则，即有哪些功能点，业务逻辑是什么，有哪些约束条件</a:t>
-            </a:r>
-            <a:r>
-              <a:rPr lang="en-US" altLang="zh-CN" sz="1800" dirty="0"/>
-              <a:t>;</a:t>
-            </a:r>
-            <a:r>
-              <a:rPr lang="zh-CN" altLang="en-US" sz="1800" dirty="0"/>
-              <a:t>这些是需求分析阶段要做得事情</a:t>
-            </a:r>
-            <a:r>
-              <a:rPr lang="en-US" altLang="zh-CN" sz="1800" dirty="0"/>
-              <a:t>;</a:t>
-            </a:r>
+              <a:t>这些是需求分析阶段要做得事情。</a:t>
+            </a:r>
+            <a:endParaRPr lang="en-US" altLang="zh-CN" sz="1800" dirty="0"/>
           </a:p>
           <a:p>
             <a:endParaRPr lang="zh-CN" altLang="en-US" sz="1800" dirty="0"/>
@@ -6387,7 +6498,7 @@
         <p:spPr>
           <a:xfrm>
             <a:off x="938231" y="1340768"/>
-            <a:ext cx="8496944" cy="3231654"/>
+            <a:ext cx="8496944" cy="3539430"/>
           </a:xfrm>
           <a:prstGeom prst="rect">
             <a:avLst/>
@@ -6422,6 +6533,9 @@
               <a:rPr lang="zh-CN" altLang="en-US" sz="1800" dirty="0"/>
               <a:t>注册过程分三步走，第一步只是单纯地账户信息，第二步和第三步属于附加的注册补充资料填写，很多事实已经验证了一个规律：操作每多一步，顾客流失率就放大一次，所以要缩短这个注册流程。</a:t>
             </a:r>
+            <a:endParaRPr lang="en-US" altLang="zh-CN" sz="1800" dirty="0"/>
+          </a:p>
+          <a:p>
             <a:endParaRPr lang="en-US" altLang="zh-CN" sz="1800" dirty="0"/>
           </a:p>
           <a:p>
@@ -6493,7 +6607,7 @@
         </p:blipFill>
         <p:spPr>
           <a:xfrm>
-            <a:off x="5950396" y="2708920"/>
+            <a:off x="5806380" y="2780928"/>
             <a:ext cx="2736304" cy="986256"/>
           </a:xfrm>
           <a:prstGeom prst="rect">
@@ -6612,10 +6726,6 @@
               <a:rPr lang="en-US" altLang="zh-CN" sz="1800" dirty="0" err="1"/>
               <a:t>Axure</a:t>
             </a:r>
-            <a:r>
-              <a:rPr lang="en-US" altLang="zh-CN" sz="1800" dirty="0"/>
-              <a:t> 7.0</a:t>
-            </a:r>
             <a:br>
               <a:rPr lang="en-US" altLang="zh-CN" sz="1800" dirty="0"/>
             </a:br>
@@ -6668,7 +6778,7 @@
             </a:br>
             <a:r>
               <a:rPr lang="en-US" altLang="zh-CN" sz="1800" dirty="0"/>
-              <a:t>• Visio 2013</a:t>
+              <a:t>• Visio</a:t>
             </a:r>
             <a:br>
               <a:rPr lang="en-US" altLang="zh-CN" sz="1800" dirty="0"/>
@@ -6999,7 +7109,7 @@
             </a:r>
             <a:r>
               <a:rPr lang="zh-CN" altLang="en-US" sz="1800" dirty="0"/>
-              <a:t>，破坏了咱们设计师的用户体验。</a:t>
+              <a:t>，破坏了设计师的用户体验。</a:t>
             </a:r>
             <a:br>
               <a:rPr lang="zh-CN" altLang="en-US" sz="1800" dirty="0"/>
@@ -7026,7 +7136,86 @@
               <a:rPr lang="zh-CN" altLang="en-US" sz="1800" dirty="0"/>
               <a:t>的首选原型工具。</a:t>
             </a:r>
-            <a:endParaRPr lang="zh-CN" altLang="en-US" sz="1800" dirty="0"/>
+          </a:p>
+        </p:txBody>
+      </p:sp>
+      <p:sp>
+        <p:nvSpPr>
+          <p:cNvPr id="2" name="文本框 1"/>
+          <p:cNvSpPr txBox="1"/>
+          <p:nvPr/>
+        </p:nvSpPr>
+        <p:spPr>
+          <a:xfrm>
+            <a:off x="1197868" y="5741754"/>
+            <a:ext cx="2520242" cy="646331"/>
+          </a:xfrm>
+          <a:prstGeom prst="rect">
+            <a:avLst/>
+          </a:prstGeom>
+          <a:noFill/>
+        </p:spPr>
+        <p:txBody>
+          <a:bodyPr wrap="none" rtlCol="0">
+            <a:spAutoFit/>
+          </a:bodyPr>
+          <a:lstStyle/>
+          <a:p>
+            <a:r>
+              <a:rPr lang="en-US" altLang="zh-CN" sz="3600" dirty="0"/>
+              <a:t>RP</a:t>
+            </a:r>
+            <a:r>
+              <a:rPr lang="zh-CN" altLang="en-US" sz="3600" dirty="0"/>
+              <a:t>的中文？</a:t>
+            </a:r>
+          </a:p>
+        </p:txBody>
+      </p:sp>
+      <p:sp>
+        <p:nvSpPr>
+          <p:cNvPr id="4" name="文本框 3"/>
+          <p:cNvSpPr txBox="1"/>
+          <p:nvPr/>
+        </p:nvSpPr>
+        <p:spPr>
+          <a:xfrm>
+            <a:off x="3862164" y="5803309"/>
+            <a:ext cx="4322337" cy="523220"/>
+          </a:xfrm>
+          <a:prstGeom prst="rect">
+            <a:avLst/>
+          </a:prstGeom>
+          <a:noFill/>
+        </p:spPr>
+        <p:txBody>
+          <a:bodyPr wrap="none" rtlCol="0">
+            <a:spAutoFit/>
+          </a:bodyPr>
+          <a:lstStyle/>
+          <a:p>
+            <a:r>
+              <a:rPr lang="en-US" altLang="zh-CN" sz="2800" dirty="0">
+                <a:solidFill>
+                  <a:schemeClr val="accent6">
+                    <a:lumMod val="60000"/>
+                    <a:lumOff val="40000"/>
+                  </a:schemeClr>
+                </a:solidFill>
+              </a:rPr>
+              <a:t>Rapid Prototyping </a:t>
+            </a:r>
+            <a:r>
+              <a:rPr lang="zh-CN" altLang="en-US" sz="2800" dirty="0">
+                <a:solidFill>
+                  <a:schemeClr val="accent6">
+                    <a:lumMod val="60000"/>
+                    <a:lumOff val="40000"/>
+                  </a:schemeClr>
+                </a:solidFill>
+              </a:rPr>
+              <a:t>快速原型</a:t>
+            </a:r>
           </a:p>
         </p:txBody>
       </p:sp>
@@ -7052,6 +7241,130 @@
       </p:transition>
     </mc:Fallback>
   </mc:AlternateContent>
+  <p:timing>
+    <p:tnLst>
+      <p:par>
+        <p:cTn id="1" dur="indefinite" restart="never" nodeType="tmRoot">
+          <p:childTnLst>
+            <p:seq concurrent="1" nextAc="seek">
+              <p:cTn id="2" dur="indefinite" nodeType="mainSeq">
+                <p:childTnLst>
+                  <p:par>
+                    <p:cTn id="3" fill="hold">
+                      <p:stCondLst>
+                        <p:cond delay="indefinite"/>
+                      </p:stCondLst>
+                      <p:childTnLst>
+                        <p:par>
+                          <p:cTn id="4" fill="hold">
+                            <p:stCondLst>
+                              <p:cond delay="0"/>
+                            </p:stCondLst>
+                            <p:childTnLst>
+                              <p:par>
+                                <p:cTn id="5" presetID="1" presetClass="entr" presetSubtype="0" fill="hold" grpId="0" nodeType="clickEffect">
+                                  <p:stCondLst>
+                                    <p:cond delay="0"/>
+                                  </p:stCondLst>
+                                  <p:childTnLst>
+                                    <p:set>
+                                      <p:cBhvr>
+                                        <p:cTn id="6" dur="1" fill="hold">
+                                          <p:stCondLst>
+                                            <p:cond delay="0"/>
+                                          </p:stCondLst>
+                                        </p:cTn>
+                                        <p:tgtEl>
+                                          <p:spTgt spid="2"/>
+                                        </p:tgtEl>
+                                        <p:attrNameLst>
+                                          <p:attrName>style.visibility</p:attrName>
+                                        </p:attrNameLst>
+                                      </p:cBhvr>
+                                      <p:to>
+                                        <p:strVal val="visible"/>
+                                      </p:to>
+                                    </p:set>
+                                  </p:childTnLst>
+                                </p:cTn>
+                              </p:par>
+                            </p:childTnLst>
+                          </p:cTn>
+                        </p:par>
+                      </p:childTnLst>
+                    </p:cTn>
+                  </p:par>
+                  <p:par>
+                    <p:cTn id="7" fill="hold">
+                      <p:stCondLst>
+                        <p:cond delay="indefinite"/>
+                      </p:stCondLst>
+                      <p:childTnLst>
+                        <p:par>
+                          <p:cTn id="8" fill="hold">
+                            <p:stCondLst>
+                              <p:cond delay="0"/>
+                            </p:stCondLst>
+                            <p:childTnLst>
+                              <p:par>
+                                <p:cTn id="9" presetID="1" presetClass="entr" presetSubtype="0" fill="hold" grpId="0" nodeType="clickEffect">
+                                  <p:stCondLst>
+                                    <p:cond delay="0"/>
+                                  </p:stCondLst>
+                                  <p:childTnLst>
+                                    <p:set>
+                                      <p:cBhvr>
+                                        <p:cTn id="10" dur="1" fill="hold">
+                                          <p:stCondLst>
+                                            <p:cond delay="0"/>
+                                          </p:stCondLst>
+                                        </p:cTn>
+                                        <p:tgtEl>
+                                          <p:spTgt spid="4"/>
+                                        </p:tgtEl>
+                                        <p:attrNameLst>
+                                          <p:attrName>style.visibility</p:attrName>
+                                        </p:attrNameLst>
+                                      </p:cBhvr>
+                                      <p:to>
+                                        <p:strVal val="visible"/>
+                                      </p:to>
+                                    </p:set>
+                                  </p:childTnLst>
+                                </p:cTn>
+                              </p:par>
+                            </p:childTnLst>
+                          </p:cTn>
+                        </p:par>
+                      </p:childTnLst>
+                    </p:cTn>
+                  </p:par>
+                </p:childTnLst>
+              </p:cTn>
+              <p:prevCondLst>
+                <p:cond evt="onPrev" delay="0">
+                  <p:tgtEl>
+                    <p:sldTgt/>
+                  </p:tgtEl>
+                </p:cond>
+              </p:prevCondLst>
+              <p:nextCondLst>
+                <p:cond evt="onNext" delay="0">
+                  <p:tgtEl>
+                    <p:sldTgt/>
+                  </p:tgtEl>
+                </p:cond>
+              </p:nextCondLst>
+            </p:seq>
+          </p:childTnLst>
+        </p:cTn>
+      </p:par>
+    </p:tnLst>
+    <p:bldLst>
+      <p:bldP spid="2" grpId="0"/>
+      <p:bldP spid="4" grpId="0"/>
+    </p:bldLst>
+  </p:timing>
 </p:sld>
 </file>
 
@@ -7084,7 +7397,7 @@
         </p:nvSpPr>
         <p:spPr>
           <a:xfrm>
-            <a:off x="909836" y="695899"/>
+            <a:off x="1200776" y="328236"/>
             <a:ext cx="7069519" cy="1220933"/>
           </a:xfrm>
         </p:spPr>
@@ -7542,11 +7855,6 @@
               </a:rPr>
               <a:t>动态面板：这个是很重要的区域，在这里可以添加、删除动态面板的状态，以及状态的排序，也可以在这里设置动态面板的标签；当绘制原型动态面板被覆盖时，我们可以在这里通过点击选中相应的动态面板，也可以双击状态进入编辑。</a:t>
             </a:r>
-            <a:endParaRPr lang="zh-CN" altLang="en-US" sz="1000" b="1" dirty="0">
-              <a:solidFill>
-                <a:schemeClr val="bg1"/>
-              </a:solidFill>
-            </a:endParaRPr>
           </a:p>
         </p:txBody>
       </p:sp>
